--- a/documents/Final Presentation.pptx
+++ b/documents/Final Presentation.pptx
@@ -9,9 +9,11 @@
     <p:sldId id="257" r:id="rId3"/>
     <p:sldId id="258" r:id="rId4"/>
     <p:sldId id="259" r:id="rId5"/>
-    <p:sldId id="262" r:id="rId6"/>
-    <p:sldId id="263" r:id="rId7"/>
-    <p:sldId id="260" r:id="rId8"/>
+    <p:sldId id="265" r:id="rId6"/>
+    <p:sldId id="264" r:id="rId7"/>
+    <p:sldId id="262" r:id="rId8"/>
+    <p:sldId id="263" r:id="rId9"/>
+    <p:sldId id="260" r:id="rId10"/>
   </p:sldIdLst>
   <p:sldSz cx="12192000" cy="6858000"/>
   <p:notesSz cx="6858000" cy="9144000"/>
@@ -110,7 +112,20 @@
       </a:defRPr>
     </a:lvl9pPr>
   </p:defaultTextStyle>
+  <p:extLst>
+    <p:ext uri="{EFAFB233-063F-42B5-8137-9DF3F51BA10A}">
+      <p15:sldGuideLst xmlns:p15="http://schemas.microsoft.com/office/powerpoint/2012/main"/>
+    </p:ext>
+  </p:extLst>
 </p:presentation>
+</file>
+
+<file path=ppt/revisionInfo.xml><?xml version="1.0" encoding="utf-8"?>
+<p1510:revInfo xmlns:a="http://schemas.openxmlformats.org/drawingml/2006/main" xmlns:r="http://schemas.openxmlformats.org/officeDocument/2006/relationships" xmlns:p1510="http://schemas.microsoft.com/office/powerpoint/2015/10/main">
+  <p1510:revLst>
+    <p1510:client id="{04C0F8E9-9D0B-43AD-8E3E-44554E1EAA0A}" v="7" dt="2023-12-11T21:49:52.946"/>
+  </p1510:revLst>
+</p1510:revInfo>
 </file>
 
 <file path=ppt/changesInfos/changesInfo1.xml><?xml version="1.0" encoding="utf-8"?>
@@ -266,6 +281,216 @@
       </pc:sldChg>
     </pc:docChg>
   </pc:docChgLst>
+  <pc:docChgLst>
+    <pc:chgData name="Bohan, Shaun M" userId="acaa2405-47ab-4b93-95cc-c6ce05832430" providerId="ADAL" clId="{04C0F8E9-9D0B-43AD-8E3E-44554E1EAA0A}"/>
+    <pc:docChg chg="undo redo custSel addSld modSld">
+      <pc:chgData name="Bohan, Shaun M" userId="acaa2405-47ab-4b93-95cc-c6ce05832430" providerId="ADAL" clId="{04C0F8E9-9D0B-43AD-8E3E-44554E1EAA0A}" dt="2023-12-11T21:51:01.318" v="1384" actId="20577"/>
+      <pc:docMkLst>
+        <pc:docMk/>
+      </pc:docMkLst>
+      <pc:sldChg chg="modSp mod">
+        <pc:chgData name="Bohan, Shaun M" userId="acaa2405-47ab-4b93-95cc-c6ce05832430" providerId="ADAL" clId="{04C0F8E9-9D0B-43AD-8E3E-44554E1EAA0A}" dt="2023-12-11T21:46:12.543" v="1077" actId="20577"/>
+        <pc:sldMkLst>
+          <pc:docMk/>
+          <pc:sldMk cId="3086503355" sldId="257"/>
+        </pc:sldMkLst>
+        <pc:spChg chg="mod">
+          <ac:chgData name="Bohan, Shaun M" userId="acaa2405-47ab-4b93-95cc-c6ce05832430" providerId="ADAL" clId="{04C0F8E9-9D0B-43AD-8E3E-44554E1EAA0A}" dt="2023-12-11T21:46:12.543" v="1077" actId="20577"/>
+          <ac:spMkLst>
+            <pc:docMk/>
+            <pc:sldMk cId="3086503355" sldId="257"/>
+            <ac:spMk id="2" creationId="{9D931456-951C-1514-46C6-00072D685187}"/>
+          </ac:spMkLst>
+        </pc:spChg>
+        <pc:spChg chg="mod">
+          <ac:chgData name="Bohan, Shaun M" userId="acaa2405-47ab-4b93-95cc-c6ce05832430" providerId="ADAL" clId="{04C0F8E9-9D0B-43AD-8E3E-44554E1EAA0A}" dt="2023-12-11T21:08:29.614" v="739" actId="20577"/>
+          <ac:spMkLst>
+            <pc:docMk/>
+            <pc:sldMk cId="3086503355" sldId="257"/>
+            <ac:spMk id="3" creationId="{64087E46-1FC8-1F81-9845-98BFC72A855F}"/>
+          </ac:spMkLst>
+        </pc:spChg>
+      </pc:sldChg>
+      <pc:sldChg chg="modSp mod">
+        <pc:chgData name="Bohan, Shaun M" userId="acaa2405-47ab-4b93-95cc-c6ce05832430" providerId="ADAL" clId="{04C0F8E9-9D0B-43AD-8E3E-44554E1EAA0A}" dt="2023-12-11T21:47:11.051" v="1137" actId="27107"/>
+        <pc:sldMkLst>
+          <pc:docMk/>
+          <pc:sldMk cId="3144042209" sldId="258"/>
+        </pc:sldMkLst>
+        <pc:spChg chg="mod">
+          <ac:chgData name="Bohan, Shaun M" userId="acaa2405-47ab-4b93-95cc-c6ce05832430" providerId="ADAL" clId="{04C0F8E9-9D0B-43AD-8E3E-44554E1EAA0A}" dt="2023-12-11T21:23:25.335" v="986" actId="122"/>
+          <ac:spMkLst>
+            <pc:docMk/>
+            <pc:sldMk cId="3144042209" sldId="258"/>
+            <ac:spMk id="2" creationId="{FC50470B-5276-5332-84BE-687A99688B49}"/>
+          </ac:spMkLst>
+        </pc:spChg>
+        <pc:spChg chg="mod">
+          <ac:chgData name="Bohan, Shaun M" userId="acaa2405-47ab-4b93-95cc-c6ce05832430" providerId="ADAL" clId="{04C0F8E9-9D0B-43AD-8E3E-44554E1EAA0A}" dt="2023-12-11T21:47:11.051" v="1137" actId="27107"/>
+          <ac:spMkLst>
+            <pc:docMk/>
+            <pc:sldMk cId="3144042209" sldId="258"/>
+            <ac:spMk id="3" creationId="{59B49615-2E49-3139-5E51-686E463D0551}"/>
+          </ac:spMkLst>
+        </pc:spChg>
+      </pc:sldChg>
+      <pc:sldChg chg="addSp delSp modSp mod">
+        <pc:chgData name="Bohan, Shaun M" userId="acaa2405-47ab-4b93-95cc-c6ce05832430" providerId="ADAL" clId="{04C0F8E9-9D0B-43AD-8E3E-44554E1EAA0A}" dt="2023-12-11T21:45:28.504" v="1061" actId="14100"/>
+        <pc:sldMkLst>
+          <pc:docMk/>
+          <pc:sldMk cId="787849231" sldId="259"/>
+        </pc:sldMkLst>
+        <pc:spChg chg="del mod">
+          <ac:chgData name="Bohan, Shaun M" userId="acaa2405-47ab-4b93-95cc-c6ce05832430" providerId="ADAL" clId="{04C0F8E9-9D0B-43AD-8E3E-44554E1EAA0A}" dt="2023-12-11T21:23:57.784" v="992" actId="478"/>
+          <ac:spMkLst>
+            <pc:docMk/>
+            <pc:sldMk cId="787849231" sldId="259"/>
+            <ac:spMk id="2" creationId="{9876993F-262D-C5C9-0597-F2D8A06E8EA9}"/>
+          </ac:spMkLst>
+        </pc:spChg>
+        <pc:spChg chg="del">
+          <ac:chgData name="Bohan, Shaun M" userId="acaa2405-47ab-4b93-95cc-c6ce05832430" providerId="ADAL" clId="{04C0F8E9-9D0B-43AD-8E3E-44554E1EAA0A}" dt="2023-12-11T21:24:31.121" v="993"/>
+          <ac:spMkLst>
+            <pc:docMk/>
+            <pc:sldMk cId="787849231" sldId="259"/>
+            <ac:spMk id="3" creationId="{07952FE1-38D7-050A-4D0F-579E4995E844}"/>
+          </ac:spMkLst>
+        </pc:spChg>
+        <pc:spChg chg="add del mod">
+          <ac:chgData name="Bohan, Shaun M" userId="acaa2405-47ab-4b93-95cc-c6ce05832430" providerId="ADAL" clId="{04C0F8E9-9D0B-43AD-8E3E-44554E1EAA0A}" dt="2023-12-11T21:24:39.096" v="995" actId="478"/>
+          <ac:spMkLst>
+            <pc:docMk/>
+            <pc:sldMk cId="787849231" sldId="259"/>
+            <ac:spMk id="5" creationId="{7A9E2D20-2CBD-32DB-BD4E-7466A90A297C}"/>
+          </ac:spMkLst>
+        </pc:spChg>
+        <pc:spChg chg="add mod">
+          <ac:chgData name="Bohan, Shaun M" userId="acaa2405-47ab-4b93-95cc-c6ce05832430" providerId="ADAL" clId="{04C0F8E9-9D0B-43AD-8E3E-44554E1EAA0A}" dt="2023-12-11T21:34:16.098" v="1030" actId="1076"/>
+          <ac:spMkLst>
+            <pc:docMk/>
+            <pc:sldMk cId="787849231" sldId="259"/>
+            <ac:spMk id="7" creationId="{22D694E9-57DB-10C0-483D-9A8A77BC7D23}"/>
+          </ac:spMkLst>
+        </pc:spChg>
+        <pc:picChg chg="add mod">
+          <ac:chgData name="Bohan, Shaun M" userId="acaa2405-47ab-4b93-95cc-c6ce05832430" providerId="ADAL" clId="{04C0F8E9-9D0B-43AD-8E3E-44554E1EAA0A}" dt="2023-12-11T21:45:28.504" v="1061" actId="14100"/>
+          <ac:picMkLst>
+            <pc:docMk/>
+            <pc:sldMk cId="787849231" sldId="259"/>
+            <ac:picMk id="6" creationId="{6F745359-C2A3-8DE6-EE59-CB633104C263}"/>
+          </ac:picMkLst>
+        </pc:picChg>
+      </pc:sldChg>
+      <pc:sldChg chg="modSp mod">
+        <pc:chgData name="Bohan, Shaun M" userId="acaa2405-47ab-4b93-95cc-c6ce05832430" providerId="ADAL" clId="{04C0F8E9-9D0B-43AD-8E3E-44554E1EAA0A}" dt="2023-12-11T21:49:27.966" v="1369" actId="20577"/>
+        <pc:sldMkLst>
+          <pc:docMk/>
+          <pc:sldMk cId="2176736048" sldId="262"/>
+        </pc:sldMkLst>
+        <pc:spChg chg="mod">
+          <ac:chgData name="Bohan, Shaun M" userId="acaa2405-47ab-4b93-95cc-c6ce05832430" providerId="ADAL" clId="{04C0F8E9-9D0B-43AD-8E3E-44554E1EAA0A}" dt="2023-12-11T21:49:27.966" v="1369" actId="20577"/>
+          <ac:spMkLst>
+            <pc:docMk/>
+            <pc:sldMk cId="2176736048" sldId="262"/>
+            <ac:spMk id="3" creationId="{8BA73037-A2DE-C552-00FE-8F767D4F4ECC}"/>
+          </ac:spMkLst>
+        </pc:spChg>
+      </pc:sldChg>
+      <pc:sldChg chg="modSp mod">
+        <pc:chgData name="Bohan, Shaun M" userId="acaa2405-47ab-4b93-95cc-c6ce05832430" providerId="ADAL" clId="{04C0F8E9-9D0B-43AD-8E3E-44554E1EAA0A}" dt="2023-12-11T21:51:01.318" v="1384" actId="20577"/>
+        <pc:sldMkLst>
+          <pc:docMk/>
+          <pc:sldMk cId="2392717147" sldId="263"/>
+        </pc:sldMkLst>
+        <pc:spChg chg="mod">
+          <ac:chgData name="Bohan, Shaun M" userId="acaa2405-47ab-4b93-95cc-c6ce05832430" providerId="ADAL" clId="{04C0F8E9-9D0B-43AD-8E3E-44554E1EAA0A}" dt="2023-12-11T21:51:01.318" v="1384" actId="20577"/>
+          <ac:spMkLst>
+            <pc:docMk/>
+            <pc:sldMk cId="2392717147" sldId="263"/>
+            <ac:spMk id="3" creationId="{5FEBFAFD-6B3D-567F-74D7-6F9B067F45E2}"/>
+          </ac:spMkLst>
+        </pc:spChg>
+      </pc:sldChg>
+      <pc:sldChg chg="addSp delSp modSp new mod">
+        <pc:chgData name="Bohan, Shaun M" userId="acaa2405-47ab-4b93-95cc-c6ce05832430" providerId="ADAL" clId="{04C0F8E9-9D0B-43AD-8E3E-44554E1EAA0A}" dt="2023-12-11T21:49:01.802" v="1279" actId="14100"/>
+        <pc:sldMkLst>
+          <pc:docMk/>
+          <pc:sldMk cId="2814002468" sldId="264"/>
+        </pc:sldMkLst>
+        <pc:spChg chg="del mod">
+          <ac:chgData name="Bohan, Shaun M" userId="acaa2405-47ab-4b93-95cc-c6ce05832430" providerId="ADAL" clId="{04C0F8E9-9D0B-43AD-8E3E-44554E1EAA0A}" dt="2023-12-11T21:44:44.185" v="1055" actId="478"/>
+          <ac:spMkLst>
+            <pc:docMk/>
+            <pc:sldMk cId="2814002468" sldId="264"/>
+            <ac:spMk id="2" creationId="{1588151D-1D7C-613D-68E9-7A12090F388E}"/>
+          </ac:spMkLst>
+        </pc:spChg>
+        <pc:spChg chg="del">
+          <ac:chgData name="Bohan, Shaun M" userId="acaa2405-47ab-4b93-95cc-c6ce05832430" providerId="ADAL" clId="{04C0F8E9-9D0B-43AD-8E3E-44554E1EAA0A}" dt="2023-12-11T21:44:46.488" v="1056" actId="478"/>
+          <ac:spMkLst>
+            <pc:docMk/>
+            <pc:sldMk cId="2814002468" sldId="264"/>
+            <ac:spMk id="3" creationId="{69661CE9-4A51-DA88-CA03-733CCD90B4C1}"/>
+          </ac:spMkLst>
+        </pc:spChg>
+        <pc:spChg chg="add del mod">
+          <ac:chgData name="Bohan, Shaun M" userId="acaa2405-47ab-4b93-95cc-c6ce05832430" providerId="ADAL" clId="{04C0F8E9-9D0B-43AD-8E3E-44554E1EAA0A}" dt="2023-12-11T21:44:47.853" v="1057" actId="478"/>
+          <ac:spMkLst>
+            <pc:docMk/>
+            <pc:sldMk cId="2814002468" sldId="264"/>
+            <ac:spMk id="5" creationId="{D3261897-8169-ED66-283A-DB756AE1726E}"/>
+          </ac:spMkLst>
+        </pc:spChg>
+        <pc:picChg chg="add mod">
+          <ac:chgData name="Bohan, Shaun M" userId="acaa2405-47ab-4b93-95cc-c6ce05832430" providerId="ADAL" clId="{04C0F8E9-9D0B-43AD-8E3E-44554E1EAA0A}" dt="2023-12-11T21:49:01.802" v="1279" actId="14100"/>
+          <ac:picMkLst>
+            <pc:docMk/>
+            <pc:sldMk cId="2814002468" sldId="264"/>
+            <ac:picMk id="1026" creationId="{7681C59A-FEAF-D9BE-A71C-0B523967FBA4}"/>
+          </ac:picMkLst>
+        </pc:picChg>
+      </pc:sldChg>
+      <pc:sldChg chg="addSp delSp modSp add mod">
+        <pc:chgData name="Bohan, Shaun M" userId="acaa2405-47ab-4b93-95cc-c6ce05832430" providerId="ADAL" clId="{04C0F8E9-9D0B-43AD-8E3E-44554E1EAA0A}" dt="2023-12-11T21:45:23.252" v="1060" actId="1076"/>
+        <pc:sldMkLst>
+          <pc:docMk/>
+          <pc:sldMk cId="1200225311" sldId="265"/>
+        </pc:sldMkLst>
+        <pc:spChg chg="add del mod">
+          <ac:chgData name="Bohan, Shaun M" userId="acaa2405-47ab-4b93-95cc-c6ce05832430" providerId="ADAL" clId="{04C0F8E9-9D0B-43AD-8E3E-44554E1EAA0A}" dt="2023-12-11T21:38:05.993" v="1045" actId="478"/>
+          <ac:spMkLst>
+            <pc:docMk/>
+            <pc:sldMk cId="1200225311" sldId="265"/>
+            <ac:spMk id="4" creationId="{3EFFEBEF-650F-EF80-7E3F-15E077B7D835}"/>
+          </ac:spMkLst>
+        </pc:spChg>
+        <pc:spChg chg="mod">
+          <ac:chgData name="Bohan, Shaun M" userId="acaa2405-47ab-4b93-95cc-c6ce05832430" providerId="ADAL" clId="{04C0F8E9-9D0B-43AD-8E3E-44554E1EAA0A}" dt="2023-12-11T21:37:51.839" v="1042" actId="14100"/>
+          <ac:spMkLst>
+            <pc:docMk/>
+            <pc:sldMk cId="1200225311" sldId="265"/>
+            <ac:spMk id="7" creationId="{22D694E9-57DB-10C0-483D-9A8A77BC7D23}"/>
+          </ac:spMkLst>
+        </pc:spChg>
+        <pc:picChg chg="add mod">
+          <ac:chgData name="Bohan, Shaun M" userId="acaa2405-47ab-4b93-95cc-c6ce05832430" providerId="ADAL" clId="{04C0F8E9-9D0B-43AD-8E3E-44554E1EAA0A}" dt="2023-12-11T21:45:23.252" v="1060" actId="1076"/>
+          <ac:picMkLst>
+            <pc:docMk/>
+            <pc:sldMk cId="1200225311" sldId="265"/>
+            <ac:picMk id="2" creationId="{C9FB878F-B0F9-D0B9-1754-AB36AF96767A}"/>
+          </ac:picMkLst>
+        </pc:picChg>
+        <pc:picChg chg="del">
+          <ac:chgData name="Bohan, Shaun M" userId="acaa2405-47ab-4b93-95cc-c6ce05832430" providerId="ADAL" clId="{04C0F8E9-9D0B-43AD-8E3E-44554E1EAA0A}" dt="2023-12-11T21:38:02.511" v="1044" actId="478"/>
+          <ac:picMkLst>
+            <pc:docMk/>
+            <pc:sldMk cId="1200225311" sldId="265"/>
+            <ac:picMk id="6" creationId="{6F745359-C2A3-8DE6-EE59-CB633104C263}"/>
+          </ac:picMkLst>
+        </pc:picChg>
+      </pc:sldChg>
+    </pc:docChg>
+  </pc:docChgLst>
 </pc:chgInfo>
 </file>
 
@@ -416,7 +641,7 @@
           <a:p>
             <a:fld id="{4B87CDED-3347-4317-AC0A-27852BE0EAFE}" type="datetimeFigureOut">
               <a:rPr lang="en-US" smtClean="0"/>
-              <a:t>12/8/2023</a:t>
+              <a:t>12/11/2023</a:t>
             </a:fld>
             <a:endParaRPr lang="en-US"/>
           </a:p>
@@ -614,7 +839,7 @@
           <a:p>
             <a:fld id="{4B87CDED-3347-4317-AC0A-27852BE0EAFE}" type="datetimeFigureOut">
               <a:rPr lang="en-US" smtClean="0"/>
-              <a:t>12/8/2023</a:t>
+              <a:t>12/11/2023</a:t>
             </a:fld>
             <a:endParaRPr lang="en-US"/>
           </a:p>
@@ -822,7 +1047,7 @@
           <a:p>
             <a:fld id="{4B87CDED-3347-4317-AC0A-27852BE0EAFE}" type="datetimeFigureOut">
               <a:rPr lang="en-US" smtClean="0"/>
-              <a:t>12/8/2023</a:t>
+              <a:t>12/11/2023</a:t>
             </a:fld>
             <a:endParaRPr lang="en-US"/>
           </a:p>
@@ -1020,7 +1245,7 @@
           <a:p>
             <a:fld id="{4B87CDED-3347-4317-AC0A-27852BE0EAFE}" type="datetimeFigureOut">
               <a:rPr lang="en-US" smtClean="0"/>
-              <a:t>12/8/2023</a:t>
+              <a:t>12/11/2023</a:t>
             </a:fld>
             <a:endParaRPr lang="en-US"/>
           </a:p>
@@ -1295,7 +1520,7 @@
           <a:p>
             <a:fld id="{4B87CDED-3347-4317-AC0A-27852BE0EAFE}" type="datetimeFigureOut">
               <a:rPr lang="en-US" smtClean="0"/>
-              <a:t>12/8/2023</a:t>
+              <a:t>12/11/2023</a:t>
             </a:fld>
             <a:endParaRPr lang="en-US"/>
           </a:p>
@@ -1560,7 +1785,7 @@
           <a:p>
             <a:fld id="{4B87CDED-3347-4317-AC0A-27852BE0EAFE}" type="datetimeFigureOut">
               <a:rPr lang="en-US" smtClean="0"/>
-              <a:t>12/8/2023</a:t>
+              <a:t>12/11/2023</a:t>
             </a:fld>
             <a:endParaRPr lang="en-US"/>
           </a:p>
@@ -1972,7 +2197,7 @@
           <a:p>
             <a:fld id="{4B87CDED-3347-4317-AC0A-27852BE0EAFE}" type="datetimeFigureOut">
               <a:rPr lang="en-US" smtClean="0"/>
-              <a:t>12/8/2023</a:t>
+              <a:t>12/11/2023</a:t>
             </a:fld>
             <a:endParaRPr lang="en-US"/>
           </a:p>
@@ -2113,7 +2338,7 @@
           <a:p>
             <a:fld id="{4B87CDED-3347-4317-AC0A-27852BE0EAFE}" type="datetimeFigureOut">
               <a:rPr lang="en-US" smtClean="0"/>
-              <a:t>12/8/2023</a:t>
+              <a:t>12/11/2023</a:t>
             </a:fld>
             <a:endParaRPr lang="en-US"/>
           </a:p>
@@ -2226,7 +2451,7 @@
           <a:p>
             <a:fld id="{4B87CDED-3347-4317-AC0A-27852BE0EAFE}" type="datetimeFigureOut">
               <a:rPr lang="en-US" smtClean="0"/>
-              <a:t>12/8/2023</a:t>
+              <a:t>12/11/2023</a:t>
             </a:fld>
             <a:endParaRPr lang="en-US"/>
           </a:p>
@@ -2537,7 +2762,7 @@
           <a:p>
             <a:fld id="{4B87CDED-3347-4317-AC0A-27852BE0EAFE}" type="datetimeFigureOut">
               <a:rPr lang="en-US" smtClean="0"/>
-              <a:t>12/8/2023</a:t>
+              <a:t>12/11/2023</a:t>
             </a:fld>
             <a:endParaRPr lang="en-US"/>
           </a:p>
@@ -2825,7 +3050,7 @@
           <a:p>
             <a:fld id="{4B87CDED-3347-4317-AC0A-27852BE0EAFE}" type="datetimeFigureOut">
               <a:rPr lang="en-US" smtClean="0"/>
-              <a:t>12/8/2023</a:t>
+              <a:t>12/11/2023</a:t>
             </a:fld>
             <a:endParaRPr lang="en-US"/>
           </a:p>
@@ -3066,7 +3291,7 @@
           <a:p>
             <a:fld id="{4B87CDED-3347-4317-AC0A-27852BE0EAFE}" type="datetimeFigureOut">
               <a:rPr lang="en-US" smtClean="0"/>
-              <a:t>12/8/2023</a:t>
+              <a:t>12/11/2023</a:t>
             </a:fld>
             <a:endParaRPr lang="en-US"/>
           </a:p>
@@ -3505,10 +3730,9 @@
           <a:lstStyle/>
           <a:p>
             <a:r>
-              <a:rPr lang="en-US" dirty="0" err="1"/>
+              <a:rPr lang="en-US" dirty="0"/>
               <a:t>MySoftwareBookList</a:t>
             </a:r>
-            <a:endParaRPr lang="en-US" dirty="0"/>
           </a:p>
         </p:txBody>
       </p:sp>
@@ -3590,7 +3814,7 @@
           <a:p>
             <a:r>
               <a:rPr lang="en-US" dirty="0"/>
-              <a:t>Overview of the Project</a:t>
+              <a:t>Project Overview</a:t>
             </a:r>
           </a:p>
         </p:txBody>
@@ -3616,7 +3840,28 @@
           <a:bodyPr/>
           <a:lstStyle/>
           <a:p>
-            <a:endParaRPr lang="en-US"/>
+            <a:r>
+              <a:rPr lang="en-US" dirty="0"/>
+              <a:t>Create a website that helps users gain insight from others about software books</a:t>
+            </a:r>
+          </a:p>
+          <a:p>
+            <a:endParaRPr lang="en-US" dirty="0"/>
+          </a:p>
+          <a:p>
+            <a:r>
+              <a:rPr lang="en-US" dirty="0"/>
+              <a:t>The core idea is that books are organized by user scores</a:t>
+            </a:r>
+          </a:p>
+          <a:p>
+            <a:endParaRPr lang="en-US" dirty="0"/>
+          </a:p>
+          <a:p>
+            <a:r>
+              <a:rPr lang="en-US" dirty="0"/>
+              <a:t>User’s can store books in a “list” that reflects their reading history and opinions</a:t>
+            </a:r>
           </a:p>
         </p:txBody>
       </p:sp>
@@ -3671,6 +3916,7 @@
           <a:bodyPr/>
           <a:lstStyle/>
           <a:p>
+            <a:pPr algn="ctr"/>
             <a:r>
               <a:rPr lang="en-US" dirty="0"/>
               <a:t>Project Goals and Scope</a:t>
@@ -3694,12 +3940,58 @@
             <p:ph idx="1"/>
           </p:nvPr>
         </p:nvSpPr>
-        <p:spPr/>
-        <p:txBody>
-          <a:bodyPr/>
-          <a:lstStyle/>
-          <a:p>
-            <a:endParaRPr lang="en-US"/>
+        <p:spPr>
+          <a:xfrm>
+            <a:off x="403194" y="1967668"/>
+            <a:ext cx="9036081" cy="4351338"/>
+          </a:xfrm>
+        </p:spPr>
+        <p:txBody>
+          <a:bodyPr>
+            <a:normAutofit lnSpcReduction="10000"/>
+          </a:bodyPr>
+          <a:lstStyle/>
+          <a:p>
+            <a:r>
+              <a:rPr lang="en-US" dirty="0"/>
+              <a:t>View software books</a:t>
+            </a:r>
+          </a:p>
+          <a:p>
+            <a:endParaRPr lang="en-US" dirty="0"/>
+          </a:p>
+          <a:p>
+            <a:r>
+              <a:rPr lang="en-US" dirty="0"/>
+              <a:t>Order of the books changes based on user interaction</a:t>
+            </a:r>
+          </a:p>
+          <a:p>
+            <a:endParaRPr lang="en-US" dirty="0"/>
+          </a:p>
+          <a:p>
+            <a:r>
+              <a:rPr lang="en-US" dirty="0"/>
+              <a:t>Save books in a list</a:t>
+            </a:r>
+          </a:p>
+          <a:p>
+            <a:endParaRPr lang="en-US" dirty="0"/>
+          </a:p>
+          <a:p>
+            <a:r>
+              <a:rPr lang="en-US" dirty="0"/>
+              <a:t>See ratings and comments for books</a:t>
+            </a:r>
+          </a:p>
+          <a:p>
+            <a:endParaRPr lang="en-US" dirty="0"/>
+          </a:p>
+          <a:p>
+            <a:r>
+              <a:rPr lang="en-US" dirty="0"/>
+              <a:t>Filter and Search books</a:t>
+            </a:r>
           </a:p>
         </p:txBody>
       </p:sp>
@@ -3733,56 +4025,78 @@
           <a:chExt cx="0" cy="0"/>
         </a:xfrm>
       </p:grpSpPr>
-      <p:sp>
-        <p:nvSpPr>
-          <p:cNvPr id="2" name="Title 1">
-            <a:extLst>
-              <a:ext uri="{FF2B5EF4-FFF2-40B4-BE49-F238E27FC236}">
-                <a16:creationId xmlns:a16="http://schemas.microsoft.com/office/drawing/2014/main" id="{9876993F-262D-C5C9-0597-F2D8A06E8EA9}"/>
-              </a:ext>
-            </a:extLst>
-          </p:cNvPr>
-          <p:cNvSpPr>
-            <a:spLocks noGrp="1"/>
-          </p:cNvSpPr>
-          <p:nvPr>
-            <p:ph type="title"/>
-          </p:nvPr>
-        </p:nvSpPr>
-        <p:spPr/>
-        <p:txBody>
-          <a:bodyPr/>
-          <a:lstStyle/>
-          <a:p>
-            <a:r>
-              <a:rPr lang="en-US" dirty="0"/>
-              <a:t>ERD &amp; Wireframes</a:t>
-            </a:r>
-          </a:p>
-        </p:txBody>
-      </p:sp>
-      <p:sp>
-        <p:nvSpPr>
-          <p:cNvPr id="3" name="Content Placeholder 2">
-            <a:extLst>
-              <a:ext uri="{FF2B5EF4-FFF2-40B4-BE49-F238E27FC236}">
-                <a16:creationId xmlns:a16="http://schemas.microsoft.com/office/drawing/2014/main" id="{07952FE1-38D7-050A-4D0F-579E4995E844}"/>
-              </a:ext>
-            </a:extLst>
-          </p:cNvPr>
-          <p:cNvSpPr>
-            <a:spLocks noGrp="1"/>
-          </p:cNvSpPr>
+      <p:pic>
+        <p:nvPicPr>
+          <p:cNvPr id="6" name="Content Placeholder 5">
+            <a:extLst>
+              <a:ext uri="{FF2B5EF4-FFF2-40B4-BE49-F238E27FC236}">
+                <a16:creationId xmlns:a16="http://schemas.microsoft.com/office/drawing/2014/main" id="{6F745359-C2A3-8DE6-EE59-CB633104C263}"/>
+              </a:ext>
+            </a:extLst>
+          </p:cNvPr>
+          <p:cNvPicPr>
+            <a:picLocks noGrp="1" noChangeAspect="1"/>
+          </p:cNvPicPr>
           <p:nvPr>
             <p:ph idx="1"/>
           </p:nvPr>
-        </p:nvSpPr>
-        <p:spPr/>
-        <p:txBody>
-          <a:bodyPr/>
-          <a:lstStyle/>
-          <a:p>
-            <a:endParaRPr lang="en-US"/>
+        </p:nvPicPr>
+        <p:blipFill>
+          <a:blip r:embed="rId2">
+            <a:extLst>
+              <a:ext uri="{28A0092B-C50C-407E-A947-70E740481C1C}">
+                <a14:useLocalDpi xmlns:a14="http://schemas.microsoft.com/office/drawing/2010/main" val="0"/>
+              </a:ext>
+            </a:extLst>
+          </a:blip>
+          <a:stretch>
+            <a:fillRect/>
+          </a:stretch>
+        </p:blipFill>
+        <p:spPr>
+          <a:xfrm>
+            <a:off x="2333494" y="1026894"/>
+            <a:ext cx="7277828" cy="5573653"/>
+          </a:xfrm>
+          <a:prstGeom prst="rect">
+            <a:avLst/>
+          </a:prstGeom>
+        </p:spPr>
+      </p:pic>
+      <p:sp>
+        <p:nvSpPr>
+          <p:cNvPr id="7" name="TextBox 6">
+            <a:extLst>
+              <a:ext uri="{FF2B5EF4-FFF2-40B4-BE49-F238E27FC236}">
+                <a16:creationId xmlns:a16="http://schemas.microsoft.com/office/drawing/2014/main" id="{22D694E9-57DB-10C0-483D-9A8A77BC7D23}"/>
+              </a:ext>
+            </a:extLst>
+          </p:cNvPr>
+          <p:cNvSpPr txBox="1"/>
+          <p:nvPr/>
+        </p:nvSpPr>
+        <p:spPr>
+          <a:xfrm>
+            <a:off x="435007" y="257453"/>
+            <a:ext cx="4119238" cy="769441"/>
+          </a:xfrm>
+          <a:prstGeom prst="rect">
+            <a:avLst/>
+          </a:prstGeom>
+          <a:noFill/>
+        </p:spPr>
+        <p:txBody>
+          <a:bodyPr wrap="square" rtlCol="0">
+            <a:spAutoFit/>
+          </a:bodyPr>
+          <a:lstStyle/>
+          <a:p>
+            <a:r>
+              <a:rPr lang="en-US" sz="4400" dirty="0">
+                <a:latin typeface="+mj-lt"/>
+              </a:rPr>
+              <a:t>Books Wireframe</a:t>
+            </a:r>
           </a:p>
         </p:txBody>
       </p:sp>
@@ -3818,61 +4132,81 @@
       </p:grpSpPr>
       <p:sp>
         <p:nvSpPr>
-          <p:cNvPr id="2" name="Title 1">
-            <a:extLst>
-              <a:ext uri="{FF2B5EF4-FFF2-40B4-BE49-F238E27FC236}">
-                <a16:creationId xmlns:a16="http://schemas.microsoft.com/office/drawing/2014/main" id="{B410E938-E209-FFA5-6175-3EBF1DAF10DF}"/>
-              </a:ext>
-            </a:extLst>
-          </p:cNvPr>
-          <p:cNvSpPr>
-            <a:spLocks noGrp="1"/>
-          </p:cNvSpPr>
-          <p:nvPr>
-            <p:ph type="title"/>
-          </p:nvPr>
-        </p:nvSpPr>
-        <p:spPr/>
-        <p:txBody>
-          <a:bodyPr/>
-          <a:lstStyle/>
-          <a:p>
-            <a:r>
-              <a:rPr lang="en-US" dirty="0"/>
-              <a:t>Google Books API</a:t>
-            </a:r>
-          </a:p>
-        </p:txBody>
-      </p:sp>
-      <p:sp>
-        <p:nvSpPr>
-          <p:cNvPr id="3" name="Content Placeholder 2">
-            <a:extLst>
-              <a:ext uri="{FF2B5EF4-FFF2-40B4-BE49-F238E27FC236}">
-                <a16:creationId xmlns:a16="http://schemas.microsoft.com/office/drawing/2014/main" id="{8BA73037-A2DE-C552-00FE-8F767D4F4ECC}"/>
-              </a:ext>
-            </a:extLst>
-          </p:cNvPr>
-          <p:cNvSpPr>
-            <a:spLocks noGrp="1"/>
-          </p:cNvSpPr>
-          <p:nvPr>
-            <p:ph idx="1"/>
-          </p:nvPr>
-        </p:nvSpPr>
-        <p:spPr/>
-        <p:txBody>
-          <a:bodyPr/>
-          <a:lstStyle/>
-          <a:p>
-            <a:endParaRPr lang="en-US"/>
-          </a:p>
-        </p:txBody>
-      </p:sp>
+          <p:cNvPr id="7" name="TextBox 6">
+            <a:extLst>
+              <a:ext uri="{FF2B5EF4-FFF2-40B4-BE49-F238E27FC236}">
+                <a16:creationId xmlns:a16="http://schemas.microsoft.com/office/drawing/2014/main" id="{22D694E9-57DB-10C0-483D-9A8A77BC7D23}"/>
+              </a:ext>
+            </a:extLst>
+          </p:cNvPr>
+          <p:cNvSpPr txBox="1"/>
+          <p:nvPr/>
+        </p:nvSpPr>
+        <p:spPr>
+          <a:xfrm>
+            <a:off x="435006" y="257453"/>
+            <a:ext cx="5415377" cy="769441"/>
+          </a:xfrm>
+          <a:prstGeom prst="rect">
+            <a:avLst/>
+          </a:prstGeom>
+          <a:noFill/>
+        </p:spPr>
+        <p:txBody>
+          <a:bodyPr wrap="square" rtlCol="0">
+            <a:spAutoFit/>
+          </a:bodyPr>
+          <a:lstStyle/>
+          <a:p>
+            <a:r>
+              <a:rPr lang="en-US" sz="4400" dirty="0">
+                <a:latin typeface="+mj-lt"/>
+              </a:rPr>
+              <a:t>Account Wireframe</a:t>
+            </a:r>
+          </a:p>
+        </p:txBody>
+      </p:sp>
+      <p:pic>
+        <p:nvPicPr>
+          <p:cNvPr id="2" name="Picture 1">
+            <a:extLst>
+              <a:ext uri="{FF2B5EF4-FFF2-40B4-BE49-F238E27FC236}">
+                <a16:creationId xmlns:a16="http://schemas.microsoft.com/office/drawing/2014/main" id="{C9FB878F-B0F9-D0B9-1754-AB36AF96767A}"/>
+              </a:ext>
+            </a:extLst>
+          </p:cNvPr>
+          <p:cNvPicPr>
+            <a:picLocks noChangeAspect="1"/>
+          </p:cNvPicPr>
+          <p:nvPr/>
+        </p:nvPicPr>
+        <p:blipFill>
+          <a:blip r:embed="rId2">
+            <a:extLst>
+              <a:ext uri="{28A0092B-C50C-407E-A947-70E740481C1C}">
+                <a14:useLocalDpi xmlns:a14="http://schemas.microsoft.com/office/drawing/2010/main" val="0"/>
+              </a:ext>
+            </a:extLst>
+          </a:blip>
+          <a:stretch>
+            <a:fillRect/>
+          </a:stretch>
+        </p:blipFill>
+        <p:spPr>
+          <a:xfrm>
+            <a:off x="2486427" y="1198344"/>
+            <a:ext cx="7219146" cy="5483443"/>
+          </a:xfrm>
+          <a:prstGeom prst="rect">
+            <a:avLst/>
+          </a:prstGeom>
+        </p:spPr>
+      </p:pic>
     </p:spTree>
     <p:extLst>
       <p:ext uri="{BB962C8B-B14F-4D97-AF65-F5344CB8AC3E}">
-        <p14:creationId xmlns:p14="http://schemas.microsoft.com/office/powerpoint/2010/main" val="2176736048"/>
+        <p14:creationId xmlns:p14="http://schemas.microsoft.com/office/powerpoint/2010/main" val="1200225311"/>
       </p:ext>
     </p:extLst>
   </p:cSld>
@@ -3899,6 +4233,187 @@
           <a:chExt cx="0" cy="0"/>
         </a:xfrm>
       </p:grpSpPr>
+      <p:pic>
+        <p:nvPicPr>
+          <p:cNvPr id="1026" name="Picture 2">
+            <a:extLst>
+              <a:ext uri="{FF2B5EF4-FFF2-40B4-BE49-F238E27FC236}">
+                <a16:creationId xmlns:a16="http://schemas.microsoft.com/office/drawing/2014/main" id="{7681C59A-FEAF-D9BE-A71C-0B523967FBA4}"/>
+              </a:ext>
+            </a:extLst>
+          </p:cNvPr>
+          <p:cNvPicPr>
+            <a:picLocks noChangeAspect="1" noChangeArrowheads="1"/>
+          </p:cNvPicPr>
+          <p:nvPr/>
+        </p:nvPicPr>
+        <p:blipFill>
+          <a:blip r:embed="rId2">
+            <a:extLst>
+              <a:ext uri="{28A0092B-C50C-407E-A947-70E740481C1C}">
+                <a14:useLocalDpi xmlns:a14="http://schemas.microsoft.com/office/drawing/2010/main" val="0"/>
+              </a:ext>
+            </a:extLst>
+          </a:blip>
+          <a:srcRect/>
+          <a:stretch>
+            <a:fillRect/>
+          </a:stretch>
+        </p:blipFill>
+        <p:spPr bwMode="auto">
+          <a:xfrm>
+            <a:off x="0" y="0"/>
+            <a:ext cx="12192000" cy="6858000"/>
+          </a:xfrm>
+          <a:prstGeom prst="rect">
+            <a:avLst/>
+          </a:prstGeom>
+          <a:noFill/>
+          <a:extLst>
+            <a:ext uri="{909E8E84-426E-40DD-AFC4-6F175D3DCCD1}">
+              <a14:hiddenFill xmlns:a14="http://schemas.microsoft.com/office/drawing/2010/main">
+                <a:solidFill>
+                  <a:srgbClr val="FFFFFF"/>
+                </a:solidFill>
+              </a14:hiddenFill>
+            </a:ext>
+          </a:extLst>
+        </p:spPr>
+      </p:pic>
+    </p:spTree>
+    <p:extLst>
+      <p:ext uri="{BB962C8B-B14F-4D97-AF65-F5344CB8AC3E}">
+        <p14:creationId xmlns:p14="http://schemas.microsoft.com/office/powerpoint/2010/main" val="2814002468"/>
+      </p:ext>
+    </p:extLst>
+  </p:cSld>
+  <p:clrMapOvr>
+    <a:masterClrMapping/>
+  </p:clrMapOvr>
+</p:sld>
+</file>
+
+<file path=ppt/slides/slide7.xml><?xml version="1.0" encoding="utf-8"?>
+<p:sld xmlns:a="http://schemas.openxmlformats.org/drawingml/2006/main" xmlns:r="http://schemas.openxmlformats.org/officeDocument/2006/relationships" xmlns:p="http://schemas.openxmlformats.org/presentationml/2006/main">
+  <p:cSld>
+    <p:spTree>
+      <p:nvGrpSpPr>
+        <p:cNvPr id="1" name=""/>
+        <p:cNvGrpSpPr/>
+        <p:nvPr/>
+      </p:nvGrpSpPr>
+      <p:grpSpPr>
+        <a:xfrm>
+          <a:off x="0" y="0"/>
+          <a:ext cx="0" cy="0"/>
+          <a:chOff x="0" y="0"/>
+          <a:chExt cx="0" cy="0"/>
+        </a:xfrm>
+      </p:grpSpPr>
+      <p:sp>
+        <p:nvSpPr>
+          <p:cNvPr id="2" name="Title 1">
+            <a:extLst>
+              <a:ext uri="{FF2B5EF4-FFF2-40B4-BE49-F238E27FC236}">
+                <a16:creationId xmlns:a16="http://schemas.microsoft.com/office/drawing/2014/main" id="{B410E938-E209-FFA5-6175-3EBF1DAF10DF}"/>
+              </a:ext>
+            </a:extLst>
+          </p:cNvPr>
+          <p:cNvSpPr>
+            <a:spLocks noGrp="1"/>
+          </p:cNvSpPr>
+          <p:nvPr>
+            <p:ph type="title"/>
+          </p:nvPr>
+        </p:nvSpPr>
+        <p:spPr/>
+        <p:txBody>
+          <a:bodyPr/>
+          <a:lstStyle/>
+          <a:p>
+            <a:r>
+              <a:rPr lang="en-US" dirty="0"/>
+              <a:t>Google Books API</a:t>
+            </a:r>
+          </a:p>
+        </p:txBody>
+      </p:sp>
+      <p:sp>
+        <p:nvSpPr>
+          <p:cNvPr id="3" name="Content Placeholder 2">
+            <a:extLst>
+              <a:ext uri="{FF2B5EF4-FFF2-40B4-BE49-F238E27FC236}">
+                <a16:creationId xmlns:a16="http://schemas.microsoft.com/office/drawing/2014/main" id="{8BA73037-A2DE-C552-00FE-8F767D4F4ECC}"/>
+              </a:ext>
+            </a:extLst>
+          </p:cNvPr>
+          <p:cNvSpPr>
+            <a:spLocks noGrp="1"/>
+          </p:cNvSpPr>
+          <p:nvPr>
+            <p:ph idx="1"/>
+          </p:nvPr>
+        </p:nvSpPr>
+        <p:spPr/>
+        <p:txBody>
+          <a:bodyPr/>
+          <a:lstStyle/>
+          <a:p>
+            <a:r>
+              <a:rPr lang="en-US" dirty="0"/>
+              <a:t>Used to populate our database with book data</a:t>
+            </a:r>
+          </a:p>
+          <a:p>
+            <a:endParaRPr lang="en-US" dirty="0"/>
+          </a:p>
+          <a:p>
+            <a:r>
+              <a:rPr lang="en-US" dirty="0"/>
+              <a:t>Our first time using an API in a project</a:t>
+            </a:r>
+          </a:p>
+          <a:p>
+            <a:endParaRPr lang="en-US" dirty="0"/>
+          </a:p>
+          <a:p>
+            <a:r>
+              <a:rPr lang="en-US" dirty="0"/>
+              <a:t>Also used it for viewing details of an individual book</a:t>
+            </a:r>
+          </a:p>
+        </p:txBody>
+      </p:sp>
+    </p:spTree>
+    <p:extLst>
+      <p:ext uri="{BB962C8B-B14F-4D97-AF65-F5344CB8AC3E}">
+        <p14:creationId xmlns:p14="http://schemas.microsoft.com/office/powerpoint/2010/main" val="2176736048"/>
+      </p:ext>
+    </p:extLst>
+  </p:cSld>
+  <p:clrMapOvr>
+    <a:masterClrMapping/>
+  </p:clrMapOvr>
+</p:sld>
+</file>
+
+<file path=ppt/slides/slide8.xml><?xml version="1.0" encoding="utf-8"?>
+<p:sld xmlns:a="http://schemas.openxmlformats.org/drawingml/2006/main" xmlns:r="http://schemas.openxmlformats.org/officeDocument/2006/relationships" xmlns:p="http://schemas.openxmlformats.org/presentationml/2006/main">
+  <p:cSld>
+    <p:spTree>
+      <p:nvGrpSpPr>
+        <p:cNvPr id="1" name=""/>
+        <p:cNvGrpSpPr/>
+        <p:nvPr/>
+      </p:nvGrpSpPr>
+      <p:grpSpPr>
+        <a:xfrm>
+          <a:off x="0" y="0"/>
+          <a:ext cx="0" cy="0"/>
+          <a:chOff x="0" y="0"/>
+          <a:chExt cx="0" cy="0"/>
+        </a:xfrm>
+      </p:grpSpPr>
       <p:sp>
         <p:nvSpPr>
           <p:cNvPr id="2" name="Title 1">
@@ -3948,9 +4463,6 @@
           <a:bodyPr/>
           <a:lstStyle/>
           <a:p>
-            <a:pPr marL="0" indent="0">
-              <a:buNone/>
-            </a:pPr>
             <a:endParaRPr lang="en-US" dirty="0"/>
           </a:p>
         </p:txBody>
@@ -3968,7 +4480,7 @@
 </p:sld>
 </file>
 
-<file path=ppt/slides/slide7.xml><?xml version="1.0" encoding="utf-8"?>
+<file path=ppt/slides/slide9.xml><?xml version="1.0" encoding="utf-8"?>
 <p:sld xmlns:a="http://schemas.openxmlformats.org/drawingml/2006/main" xmlns:r="http://schemas.openxmlformats.org/officeDocument/2006/relationships" xmlns:p="http://schemas.openxmlformats.org/presentationml/2006/main">
   <p:cSld>
     <p:spTree>

--- a/documents/Final Presentation.pptx
+++ b/documents/Final Presentation.pptx
@@ -123,6 +123,7 @@
 <p1510:revInfo xmlns:a="http://schemas.openxmlformats.org/drawingml/2006/main" xmlns:r="http://schemas.openxmlformats.org/officeDocument/2006/relationships" xmlns:p1510="http://schemas.microsoft.com/office/powerpoint/2015/10/main">
   <p1510:revLst>
     <p1510:client id="{04C0F8E9-9D0B-43AD-8E3E-44554E1EAA0A}" v="7" dt="2023-12-11T21:49:52.946"/>
+    <p1510:client id="{4BBDB205-D13D-4AF8-B43D-116461632D03}" v="4" dt="2023-12-12T18:57:33.900"/>
   </p1510:revLst>
 </p1510:revInfo>
 </file>
@@ -277,6 +278,75 @@
           <pc:docMk/>
           <pc:sldMk cId="3528882018" sldId="265"/>
         </pc:sldMkLst>
+      </pc:sldChg>
+    </pc:docChg>
+  </pc:docChgLst>
+  <pc:docChgLst>
+    <pc:chgData name="Bohan, Shaun M" userId="acaa2405-47ab-4b93-95cc-c6ce05832430" providerId="ADAL" clId="{4BBDB205-D13D-4AF8-B43D-116461632D03}"/>
+    <pc:docChg chg="custSel modSld">
+      <pc:chgData name="Bohan, Shaun M" userId="acaa2405-47ab-4b93-95cc-c6ce05832430" providerId="ADAL" clId="{4BBDB205-D13D-4AF8-B43D-116461632D03}" dt="2023-12-12T18:18:12.535" v="5" actId="478"/>
+      <pc:docMkLst>
+        <pc:docMk/>
+      </pc:docMkLst>
+      <pc:sldChg chg="delSp mod">
+        <pc:chgData name="Bohan, Shaun M" userId="acaa2405-47ab-4b93-95cc-c6ce05832430" providerId="ADAL" clId="{4BBDB205-D13D-4AF8-B43D-116461632D03}" dt="2023-12-12T18:17:02.234" v="0" actId="478"/>
+        <pc:sldMkLst>
+          <pc:docMk/>
+          <pc:sldMk cId="2910383325" sldId="256"/>
+        </pc:sldMkLst>
+        <pc:spChg chg="del">
+          <ac:chgData name="Bohan, Shaun M" userId="acaa2405-47ab-4b93-95cc-c6ce05832430" providerId="ADAL" clId="{4BBDB205-D13D-4AF8-B43D-116461632D03}" dt="2023-12-12T18:17:02.234" v="0" actId="478"/>
+          <ac:spMkLst>
+            <pc:docMk/>
+            <pc:sldMk cId="2910383325" sldId="256"/>
+            <ac:spMk id="3" creationId="{FA072AE6-A858-CD25-3EBF-D661A4880DA4}"/>
+          </ac:spMkLst>
+        </pc:spChg>
+      </pc:sldChg>
+      <pc:sldChg chg="modSp mod">
+        <pc:chgData name="Bohan, Shaun M" userId="acaa2405-47ab-4b93-95cc-c6ce05832430" providerId="ADAL" clId="{4BBDB205-D13D-4AF8-B43D-116461632D03}" dt="2023-12-12T18:17:32.017" v="1" actId="27107"/>
+        <pc:sldMkLst>
+          <pc:docMk/>
+          <pc:sldMk cId="3144042209" sldId="258"/>
+        </pc:sldMkLst>
+        <pc:graphicFrameChg chg="modGraphic">
+          <ac:chgData name="Bohan, Shaun M" userId="acaa2405-47ab-4b93-95cc-c6ce05832430" providerId="ADAL" clId="{4BBDB205-D13D-4AF8-B43D-116461632D03}" dt="2023-12-12T18:17:32.017" v="1" actId="27107"/>
+          <ac:graphicFrameMkLst>
+            <pc:docMk/>
+            <pc:sldMk cId="3144042209" sldId="258"/>
+            <ac:graphicFrameMk id="16" creationId="{BB6A3D8A-EC36-E9B4-6CDA-B29A0BEAE122}"/>
+          </ac:graphicFrameMkLst>
+        </pc:graphicFrameChg>
+      </pc:sldChg>
+      <pc:sldChg chg="delSp mod">
+        <pc:chgData name="Bohan, Shaun M" userId="acaa2405-47ab-4b93-95cc-c6ce05832430" providerId="ADAL" clId="{4BBDB205-D13D-4AF8-B43D-116461632D03}" dt="2023-12-12T18:18:12.535" v="5" actId="478"/>
+        <pc:sldMkLst>
+          <pc:docMk/>
+          <pc:sldMk cId="1829579952" sldId="260"/>
+        </pc:sldMkLst>
+        <pc:spChg chg="del">
+          <ac:chgData name="Bohan, Shaun M" userId="acaa2405-47ab-4b93-95cc-c6ce05832430" providerId="ADAL" clId="{4BBDB205-D13D-4AF8-B43D-116461632D03}" dt="2023-12-12T18:18:12.535" v="5" actId="478"/>
+          <ac:spMkLst>
+            <pc:docMk/>
+            <pc:sldMk cId="1829579952" sldId="260"/>
+            <ac:spMk id="3" creationId="{5BEC3A34-AAE7-F054-90D9-ECD1DACB384C}"/>
+          </ac:spMkLst>
+        </pc:spChg>
+      </pc:sldChg>
+      <pc:sldChg chg="modSp">
+        <pc:chgData name="Bohan, Shaun M" userId="acaa2405-47ab-4b93-95cc-c6ce05832430" providerId="ADAL" clId="{4BBDB205-D13D-4AF8-B43D-116461632D03}" dt="2023-12-12T18:18:01.774" v="4" actId="20577"/>
+        <pc:sldMkLst>
+          <pc:docMk/>
+          <pc:sldMk cId="2176736048" sldId="262"/>
+        </pc:sldMkLst>
+        <pc:graphicFrameChg chg="mod">
+          <ac:chgData name="Bohan, Shaun M" userId="acaa2405-47ab-4b93-95cc-c6ce05832430" providerId="ADAL" clId="{4BBDB205-D13D-4AF8-B43D-116461632D03}" dt="2023-12-12T18:18:01.774" v="4" actId="20577"/>
+          <ac:graphicFrameMkLst>
+            <pc:docMk/>
+            <pc:sldMk cId="2176736048" sldId="262"/>
+            <ac:graphicFrameMk id="36" creationId="{ACA55F82-A3C1-EEC9-B5E8-C50E75E88F6F}"/>
+          </ac:graphicFrameMkLst>
+        </pc:graphicFrameChg>
       </pc:sldChg>
     </pc:docChg>
   </pc:docChgLst>
@@ -2849,7 +2919,7 @@
             <a:defRPr cap="all"/>
           </a:pPr>
           <a:r>
-            <a:rPr lang="en-US"/>
+            <a:rPr lang="en-US" dirty="0"/>
             <a:t>Order of the books changes based on user interaction</a:t>
           </a:r>
         </a:p>
@@ -3446,8 +3516,8 @@
         <a:lstStyle/>
         <a:p>
           <a:r>
-            <a:rPr lang="en-US"/>
-            <a:t>Also used it for viewing details of an individual book</a:t>
+            <a:rPr lang="en-US" dirty="0"/>
+            <a:t>Also used for viewing details of an individual book</a:t>
           </a:r>
         </a:p>
       </dgm:t>
@@ -3979,7 +4049,7 @@
             <a:defRPr cap="all"/>
           </a:pPr>
           <a:r>
-            <a:rPr lang="en-US" sz="1500" kern="1200"/>
+            <a:rPr lang="en-US" sz="1500" kern="1200" dirty="0"/>
             <a:t>Order of the books changes based on user interaction</a:t>
           </a:r>
         </a:p>
@@ -4906,8 +4976,8 @@
             <a:buNone/>
           </a:pPr>
           <a:r>
-            <a:rPr lang="en-US" sz="2500" kern="1200"/>
-            <a:t>Also used it for viewing details of an individual book</a:t>
+            <a:rPr lang="en-US" sz="2500" kern="1200" dirty="0"/>
+            <a:t>Also used for viewing details of an individual book</a:t>
           </a:r>
         </a:p>
       </dsp:txBody>
@@ -7656,7 +7726,7 @@
           <a:p>
             <a:fld id="{4B87CDED-3347-4317-AC0A-27852BE0EAFE}" type="datetimeFigureOut">
               <a:rPr lang="en-US" smtClean="0"/>
-              <a:t>12/11/2023</a:t>
+              <a:t>12/12/2023</a:t>
             </a:fld>
             <a:endParaRPr lang="en-US"/>
           </a:p>
@@ -7854,7 +7924,7 @@
           <a:p>
             <a:fld id="{4B87CDED-3347-4317-AC0A-27852BE0EAFE}" type="datetimeFigureOut">
               <a:rPr lang="en-US" smtClean="0"/>
-              <a:t>12/11/2023</a:t>
+              <a:t>12/12/2023</a:t>
             </a:fld>
             <a:endParaRPr lang="en-US"/>
           </a:p>
@@ -8062,7 +8132,7 @@
           <a:p>
             <a:fld id="{4B87CDED-3347-4317-AC0A-27852BE0EAFE}" type="datetimeFigureOut">
               <a:rPr lang="en-US" smtClean="0"/>
-              <a:t>12/11/2023</a:t>
+              <a:t>12/12/2023</a:t>
             </a:fld>
             <a:endParaRPr lang="en-US"/>
           </a:p>
@@ -8260,7 +8330,7 @@
           <a:p>
             <a:fld id="{4B87CDED-3347-4317-AC0A-27852BE0EAFE}" type="datetimeFigureOut">
               <a:rPr lang="en-US" smtClean="0"/>
-              <a:t>12/11/2023</a:t>
+              <a:t>12/12/2023</a:t>
             </a:fld>
             <a:endParaRPr lang="en-US"/>
           </a:p>
@@ -8535,7 +8605,7 @@
           <a:p>
             <a:fld id="{4B87CDED-3347-4317-AC0A-27852BE0EAFE}" type="datetimeFigureOut">
               <a:rPr lang="en-US" smtClean="0"/>
-              <a:t>12/11/2023</a:t>
+              <a:t>12/12/2023</a:t>
             </a:fld>
             <a:endParaRPr lang="en-US"/>
           </a:p>
@@ -8800,7 +8870,7 @@
           <a:p>
             <a:fld id="{4B87CDED-3347-4317-AC0A-27852BE0EAFE}" type="datetimeFigureOut">
               <a:rPr lang="en-US" smtClean="0"/>
-              <a:t>12/11/2023</a:t>
+              <a:t>12/12/2023</a:t>
             </a:fld>
             <a:endParaRPr lang="en-US"/>
           </a:p>
@@ -9212,7 +9282,7 @@
           <a:p>
             <a:fld id="{4B87CDED-3347-4317-AC0A-27852BE0EAFE}" type="datetimeFigureOut">
               <a:rPr lang="en-US" smtClean="0"/>
-              <a:t>12/11/2023</a:t>
+              <a:t>12/12/2023</a:t>
             </a:fld>
             <a:endParaRPr lang="en-US"/>
           </a:p>
@@ -9353,7 +9423,7 @@
           <a:p>
             <a:fld id="{4B87CDED-3347-4317-AC0A-27852BE0EAFE}" type="datetimeFigureOut">
               <a:rPr lang="en-US" smtClean="0"/>
-              <a:t>12/11/2023</a:t>
+              <a:t>12/12/2023</a:t>
             </a:fld>
             <a:endParaRPr lang="en-US"/>
           </a:p>
@@ -9466,7 +9536,7 @@
           <a:p>
             <a:fld id="{4B87CDED-3347-4317-AC0A-27852BE0EAFE}" type="datetimeFigureOut">
               <a:rPr lang="en-US" smtClean="0"/>
-              <a:t>12/11/2023</a:t>
+              <a:t>12/12/2023</a:t>
             </a:fld>
             <a:endParaRPr lang="en-US"/>
           </a:p>
@@ -9777,7 +9847,7 @@
           <a:p>
             <a:fld id="{4B87CDED-3347-4317-AC0A-27852BE0EAFE}" type="datetimeFigureOut">
               <a:rPr lang="en-US" smtClean="0"/>
-              <a:t>12/11/2023</a:t>
+              <a:t>12/12/2023</a:t>
             </a:fld>
             <a:endParaRPr lang="en-US"/>
           </a:p>
@@ -10065,7 +10135,7 @@
           <a:p>
             <a:fld id="{4B87CDED-3347-4317-AC0A-27852BE0EAFE}" type="datetimeFigureOut">
               <a:rPr lang="en-US" smtClean="0"/>
-              <a:t>12/11/2023</a:t>
+              <a:t>12/12/2023</a:t>
             </a:fld>
             <a:endParaRPr lang="en-US"/>
           </a:p>
@@ -10306,7 +10376,7 @@
           <a:p>
             <a:fld id="{4B87CDED-3347-4317-AC0A-27852BE0EAFE}" type="datetimeFigureOut">
               <a:rPr lang="en-US" smtClean="0"/>
-              <a:t>12/11/2023</a:t>
+              <a:t>12/12/2023</a:t>
             </a:fld>
             <a:endParaRPr lang="en-US"/>
           </a:p>
@@ -10924,50 +10994,13 @@
           <a:p>
             <a:pPr algn="l"/>
             <a:r>
-              <a:rPr lang="en-US" sz="8000">
+              <a:rPr lang="en-US" sz="8000" dirty="0">
                 <a:solidFill>
                   <a:schemeClr val="tx2"/>
                 </a:solidFill>
               </a:rPr>
               <a:t>MySoftwareBookList</a:t>
             </a:r>
-          </a:p>
-        </p:txBody>
-      </p:sp>
-      <p:sp>
-        <p:nvSpPr>
-          <p:cNvPr id="3" name="Subtitle 2">
-            <a:extLst>
-              <a:ext uri="{FF2B5EF4-FFF2-40B4-BE49-F238E27FC236}">
-                <a16:creationId xmlns:a16="http://schemas.microsoft.com/office/drawing/2014/main" id="{FA072AE6-A858-CD25-3EBF-D661A4880DA4}"/>
-              </a:ext>
-            </a:extLst>
-          </p:cNvPr>
-          <p:cNvSpPr>
-            <a:spLocks noGrp="1"/>
-          </p:cNvSpPr>
-          <p:nvPr>
-            <p:ph type="subTitle" idx="1"/>
-          </p:nvPr>
-        </p:nvSpPr>
-        <p:spPr>
-          <a:xfrm>
-            <a:off x="732567" y="4067745"/>
-            <a:ext cx="10530318" cy="1949813"/>
-          </a:xfrm>
-        </p:spPr>
-        <p:txBody>
-          <a:bodyPr anchor="t">
-            <a:normAutofit/>
-          </a:bodyPr>
-          <a:lstStyle/>
-          <a:p>
-            <a:pPr algn="l"/>
-            <a:endParaRPr lang="en-US" sz="2200">
-              <a:solidFill>
-                <a:schemeClr val="tx2"/>
-              </a:solidFill>
-            </a:endParaRPr>
           </a:p>
         </p:txBody>
       </p:sp>
@@ -13981,7 +14014,7 @@
             <p:ph idx="1"/>
             <p:extLst>
               <p:ext uri="{D42A27DB-BD31-4B8C-83A1-F6EECF244321}">
-                <p14:modId xmlns:p14="http://schemas.microsoft.com/office/powerpoint/2010/main" val="1721430609"/>
+                <p14:modId xmlns:p14="http://schemas.microsoft.com/office/powerpoint/2010/main" val="2007281872"/>
               </p:ext>
             </p:extLst>
           </p:nvPr>
@@ -14990,7 +15023,7 @@
             <p:ph idx="1"/>
             <p:extLst>
               <p:ext uri="{D42A27DB-BD31-4B8C-83A1-F6EECF244321}">
-                <p14:modId xmlns:p14="http://schemas.microsoft.com/office/powerpoint/2010/main" val="667613217"/>
+                <p14:modId xmlns:p14="http://schemas.microsoft.com/office/powerpoint/2010/main" val="1347903036"/>
               </p:ext>
             </p:extLst>
           </p:nvPr>
@@ -15060,31 +15093,6 @@
               <a:rPr lang="en-US" dirty="0"/>
               <a:t>Demo</a:t>
             </a:r>
-          </a:p>
-        </p:txBody>
-      </p:sp>
-      <p:sp>
-        <p:nvSpPr>
-          <p:cNvPr id="3" name="Content Placeholder 2">
-            <a:extLst>
-              <a:ext uri="{FF2B5EF4-FFF2-40B4-BE49-F238E27FC236}">
-                <a16:creationId xmlns:a16="http://schemas.microsoft.com/office/drawing/2014/main" id="{5BEC3A34-AAE7-F054-90D9-ECD1DACB384C}"/>
-              </a:ext>
-            </a:extLst>
-          </p:cNvPr>
-          <p:cNvSpPr>
-            <a:spLocks noGrp="1"/>
-          </p:cNvSpPr>
-          <p:nvPr>
-            <p:ph idx="1"/>
-          </p:nvPr>
-        </p:nvSpPr>
-        <p:spPr/>
-        <p:txBody>
-          <a:bodyPr/>
-          <a:lstStyle/>
-          <a:p>
-            <a:endParaRPr lang="en-US"/>
           </a:p>
         </p:txBody>
       </p:sp>
